--- a/AWS/document/목업.pptx
+++ b/AWS/document/목업.pptx
@@ -6216,7 +6216,7 @@
           <a:p>
             <a:pPr algn="ctr"/>
             <a:r>
-              <a:rPr lang="ko-KR" altLang="en-US"/>
+              <a:rPr lang="ko-KR" altLang="en-US" dirty="0"/>
               <a:t>로봇 화면</a:t>
             </a:r>
             <a:endParaRPr lang="en-US" altLang="ko-KR" dirty="0"/>
@@ -6333,8 +6333,8 @@
         </p:nvSpPr>
         <p:spPr>
           <a:xfrm>
-            <a:off x="4306756" y="2103403"/>
-            <a:ext cx="3544784" cy="498764"/>
+            <a:off x="5047012" y="2103403"/>
+            <a:ext cx="2804527" cy="498764"/>
           </a:xfrm>
           <a:prstGeom prst="rect">
             <a:avLst/>
@@ -6367,8 +6367,13 @@
             </a:r>
             <a:r>
               <a:rPr lang="en-US" altLang="ko-KR" dirty="0"/>
-              <a:t> device</a:t>
-            </a:r>
+              <a:t> </a:t>
+            </a:r>
+            <a:r>
+              <a:rPr lang="en-US" altLang="ko-KR" dirty="0" err="1"/>
+              <a:t>deviceSerial</a:t>
+            </a:r>
+            <a:endParaRPr lang="en-US" altLang="ko-KR" dirty="0"/>
           </a:p>
         </p:txBody>
       </p:sp>
@@ -6419,6 +6424,91 @@
               <a:t>모듈 추가</a:t>
             </a:r>
             <a:endParaRPr lang="en-US" altLang="ko-KR" dirty="0"/>
+          </a:p>
+        </p:txBody>
+      </p:sp>
+      <p:sp>
+        <p:nvSpPr>
+          <p:cNvPr id="2" name="TextBox 1">
+            <a:extLst>
+              <a:ext uri="{FF2B5EF4-FFF2-40B4-BE49-F238E27FC236}">
+                <a16:creationId xmlns:a16="http://schemas.microsoft.com/office/drawing/2014/main" id="{8A6EA166-2E5E-4B22-B0FD-4A4A911EE580}"/>
+              </a:ext>
+            </a:extLst>
+          </p:cNvPr>
+          <p:cNvSpPr txBox="1"/>
+          <p:nvPr/>
+        </p:nvSpPr>
+        <p:spPr>
+          <a:xfrm>
+            <a:off x="795647" y="382103"/>
+            <a:ext cx="1810987" cy="369332"/>
+          </a:xfrm>
+          <a:prstGeom prst="rect">
+            <a:avLst/>
+          </a:prstGeom>
+          <a:noFill/>
+        </p:spPr>
+        <p:txBody>
+          <a:bodyPr wrap="square" rtlCol="0">
+            <a:spAutoFit/>
+          </a:bodyPr>
+          <a:lstStyle/>
+          <a:p>
+            <a:r>
+              <a:rPr lang="en-US" altLang="ko-KR" dirty="0"/>
+              <a:t>RPI</a:t>
+            </a:r>
+            <a:endParaRPr lang="ko-KR" altLang="en-US" dirty="0"/>
+          </a:p>
+        </p:txBody>
+      </p:sp>
+      <p:sp>
+        <p:nvSpPr>
+          <p:cNvPr id="8" name="직사각형 7">
+            <a:extLst>
+              <a:ext uri="{FF2B5EF4-FFF2-40B4-BE49-F238E27FC236}">
+                <a16:creationId xmlns:a16="http://schemas.microsoft.com/office/drawing/2014/main" id="{BD32D0DD-B71E-471F-B253-7A379B3FAF7C}"/>
+              </a:ext>
+            </a:extLst>
+          </p:cNvPr>
+          <p:cNvSpPr/>
+          <p:nvPr/>
+        </p:nvSpPr>
+        <p:spPr>
+          <a:xfrm>
+            <a:off x="4279075" y="2044955"/>
+            <a:ext cx="607621" cy="557212"/>
+          </a:xfrm>
+          <a:prstGeom prst="rect">
+            <a:avLst/>
+          </a:prstGeom>
+        </p:spPr>
+        <p:style>
+          <a:lnRef idx="2">
+            <a:schemeClr val="accent1">
+              <a:shade val="50000"/>
+            </a:schemeClr>
+          </a:lnRef>
+          <a:fillRef idx="1">
+            <a:schemeClr val="accent1"/>
+          </a:fillRef>
+          <a:effectRef idx="0">
+            <a:schemeClr val="accent1"/>
+          </a:effectRef>
+          <a:fontRef idx="minor">
+            <a:schemeClr val="lt1"/>
+          </a:fontRef>
+        </p:style>
+        <p:txBody>
+          <a:bodyPr rtlCol="0" anchor="ctr"/>
+          <a:lstStyle/>
+          <a:p>
+            <a:pPr algn="ctr"/>
+            <a:r>
+              <a:rPr lang="en-US" altLang="ko-KR" dirty="0"/>
+              <a:t>V</a:t>
+            </a:r>
           </a:p>
         </p:txBody>
       </p:sp>
